--- a/afis/engin afis.pptx
+++ b/afis/engin afis.pptx
@@ -5574,7 +5574,7 @@
               <a:rPr lang="tr-TR" altLang="en-US" sz="3600" dirty="0">
                 <a:latin typeface="Helvetica" panose="020B0604020202020204" pitchFamily="34" charset="0"/>
               </a:rPr>
-              <a:t> üzerinden elde edilen veriler elde edildikten sonra duygu analizinden geçirilip, bir gözlemci yerine makine tarafından karar alınıp sınıflandırma işlemi yapılmasını ve elde edilen verilerin görselleştirme, raporlama ihtiyaçlarını karşılamak için çeşitli grafikler, raporlama ve harita üzerinde gösterme gibi bir çok işlevi içerisinde barındıran </a:t>
+              <a:t> üzerinden elde edilen veriler duygu analizinden geçirilip, bir gözlemci yerine makine tarafından karar alınıp sınıflandırma işlemi yapılmasını ve elde edilen verilerin görselleştirme, raporlama, hızlı arama ihtiyaçlarını karşılamak için çeşitli grafikler, raporlama ve harita üzerinde gösterme gibi bir çok işlevi içerisinde barındıran </a:t>
             </a:r>
             <a:r>
               <a:rPr lang="tr-TR" altLang="en-US" sz="3600" dirty="0" err="1">
@@ -6139,7 +6139,7 @@
               <a:rPr lang="tr-TR" altLang="en-US" sz="3600" b="1" dirty="0">
                 <a:latin typeface="Helvetica" panose="020B0604020202020204" pitchFamily="34" charset="0"/>
               </a:rPr>
-              <a:t>(Duygu) Analizi</a:t>
+              <a:t>(Duygu) Analizi:</a:t>
             </a:r>
           </a:p>
           <a:p>
@@ -6178,7 +6178,7 @@
               <a:rPr lang="tr-TR" altLang="en-US" sz="3600" b="1" dirty="0">
                 <a:latin typeface="Helvetica" panose="020B0604020202020204" pitchFamily="34" charset="0"/>
               </a:rPr>
-              <a:t> CSV Formatında kayıt</a:t>
+              <a:t> CSV Formatında kayıt:</a:t>
             </a:r>
           </a:p>
           <a:p>
@@ -6223,7 +6223,7 @@
               <a:rPr lang="tr-TR" altLang="en-US" sz="3600" b="1" dirty="0">
                 <a:latin typeface="Helvetica" panose="020B0604020202020204" pitchFamily="34" charset="0"/>
               </a:rPr>
-              <a:t>(Mantıksal Çözümleme) ve Görselleştirme:</a:t>
+              <a:t> (Mantıksal Çözümleme) ve Görselleştirme:</a:t>
             </a:r>
           </a:p>
           <a:p>
@@ -6445,25 +6445,25 @@
               <a:rPr lang="tr-TR" altLang="en-US" sz="3600" dirty="0" err="1">
                 <a:latin typeface="Helvetica" panose="020B0604020202020204" pitchFamily="34" charset="0"/>
               </a:rPr>
+              <a:t>Twitter</a:t>
+            </a:r>
+            <a:r>
+              <a:rPr lang="tr-TR" altLang="en-US" sz="3600" dirty="0">
+                <a:latin typeface="Helvetica" panose="020B0604020202020204" pitchFamily="34" charset="0"/>
+              </a:rPr>
+              <a:t> platformu üzerindeki en fazla 280 karakter uzunluğundaki metinler yani </a:t>
+            </a:r>
+            <a:r>
+              <a:rPr lang="tr-TR" altLang="en-US" sz="3600" dirty="0" err="1">
+                <a:latin typeface="Helvetica" panose="020B0604020202020204" pitchFamily="34" charset="0"/>
+              </a:rPr>
               <a:t>Tweet`ler</a:t>
             </a:r>
             <a:r>
               <a:rPr lang="tr-TR" altLang="en-US" sz="3600" dirty="0">
                 <a:latin typeface="Helvetica" panose="020B0604020202020204" pitchFamily="34" charset="0"/>
               </a:rPr>
-              <a:t> </a:t>
-            </a:r>
-            <a:r>
-              <a:rPr lang="tr-TR" altLang="en-US" sz="3600" dirty="0" err="1">
-                <a:latin typeface="Helvetica" panose="020B0604020202020204" pitchFamily="34" charset="0"/>
-              </a:rPr>
-              <a:t>Twitter</a:t>
-            </a:r>
-            <a:r>
-              <a:rPr lang="tr-TR" altLang="en-US" sz="3600" dirty="0">
-                <a:latin typeface="Helvetica" panose="020B0604020202020204" pitchFamily="34" charset="0"/>
-              </a:rPr>
-              <a:t> platformunda, en fazla 280 karakter uzunluğunda metin verileri alınmıştır. Çıktı olarak insanların konu/konular hakkındaki düşünceleri olumlu, olumsuz, normal şeklinde sınıflandırılmış ve görsel analiz yöntemiyle konum, mesaj, tarih, duygu yoğunluğu gibi elde edilen verilere göre analiz işlemleri yapılarak, çeşitli grafikler şeklinde </a:t>
+              <a:t> alınmıştır. Çıktı olarak insanların konu/konular hakkındaki düşünceleri olumlu, olumsuz, normal şeklinde sınıflandırılmış ve görsel analiz yöntemiyle konum, mesaj, tarih, duygu yoğunluğu gibi elde edilen verilere göre analiz işlemleri yapılarak, çeşitli grafikler şeklinde </a:t>
             </a:r>
             <a:r>
               <a:rPr lang="tr-TR" altLang="en-US" sz="3600" dirty="0" err="1">
@@ -6646,7 +6646,19 @@
               <a:rPr lang="tr-TR" altLang="en-US" sz="3600" dirty="0">
                 <a:latin typeface="Helvetica" panose="020B0604020202020204" pitchFamily="34" charset="0"/>
               </a:rPr>
-              <a:t>Proje üzerinde yapılan çalışmada, incelenecek konu her ne olursa olsun ilgili konunun konum bazında duygu analizi yapılabilmektedir.</a:t>
+              <a:t>Proje üzerinde yapılan çalışmada, </a:t>
+            </a:r>
+            <a:r>
+              <a:rPr lang="tr-TR" altLang="en-US" sz="3600" dirty="0" err="1">
+                <a:latin typeface="Helvetica" panose="020B0604020202020204" pitchFamily="34" charset="0"/>
+              </a:rPr>
+              <a:t>Twitter</a:t>
+            </a:r>
+            <a:r>
+              <a:rPr lang="tr-TR" altLang="en-US" sz="3600" dirty="0">
+                <a:latin typeface="Helvetica" panose="020B0604020202020204" pitchFamily="34" charset="0"/>
+              </a:rPr>
+              <a:t> üzerinden incelenecek konu her ne olursa olsun ilgili konunun konum bazında duygu analizi yapılabilmektedir.</a:t>
             </a:r>
           </a:p>
           <a:p>
